--- a/Semana 2/Presentación S2.pptx
+++ b/Semana 2/Presentación S2.pptx
@@ -5,7 +5,7 @@
     <p:sldMasterId id="2147483672" r:id="rId1"/>
   </p:sldMasterIdLst>
   <p:notesMasterIdLst>
-    <p:notesMasterId r:id="rId44"/>
+    <p:notesMasterId r:id="rId45"/>
   </p:notesMasterIdLst>
   <p:sldIdLst>
     <p:sldId id="256" r:id="rId2"/>
@@ -50,6 +50,7 @@
     <p:sldId id="300" r:id="rId41"/>
     <p:sldId id="299" r:id="rId42"/>
     <p:sldId id="308" r:id="rId43"/>
+    <p:sldId id="309" r:id="rId44"/>
   </p:sldIdLst>
   <p:sldSz cx="12192000" cy="6858000"/>
   <p:notesSz cx="6858000" cy="9144000"/>
@@ -238,7 +239,7 @@
           <a:p>
             <a:fld id="{430AAACB-714D-4ED6-9BCD-E10DE1E326CF}" type="datetimeFigureOut">
               <a:rPr lang="es-CO" smtClean="0"/>
-              <a:t>17/08/20</a:t>
+              <a:t>18/08/20</a:t>
             </a:fld>
             <a:endParaRPr lang="es-CO"/>
           </a:p>
@@ -2367,7 +2368,7 @@
           <a:p>
             <a:fld id="{C214C790-AC43-4046-BAB7-879940BCF0AB}" type="datetimeFigureOut">
               <a:rPr lang="es-CO" smtClean="0"/>
-              <a:t>17/08/20</a:t>
+              <a:t>18/08/20</a:t>
             </a:fld>
             <a:endParaRPr lang="es-CO"/>
           </a:p>
@@ -2575,7 +2576,7 @@
           <a:p>
             <a:fld id="{C214C790-AC43-4046-BAB7-879940BCF0AB}" type="datetimeFigureOut">
               <a:rPr lang="es-CO" smtClean="0"/>
-              <a:t>17/08/20</a:t>
+              <a:t>18/08/20</a:t>
             </a:fld>
             <a:endParaRPr lang="es-CO"/>
           </a:p>
@@ -2831,7 +2832,7 @@
           <a:p>
             <a:fld id="{C214C790-AC43-4046-BAB7-879940BCF0AB}" type="datetimeFigureOut">
               <a:rPr lang="es-CO" smtClean="0"/>
-              <a:t>17/08/20</a:t>
+              <a:t>18/08/20</a:t>
             </a:fld>
             <a:endParaRPr lang="es-CO"/>
           </a:p>
@@ -3001,7 +3002,7 @@
           <a:p>
             <a:fld id="{C214C790-AC43-4046-BAB7-879940BCF0AB}" type="datetimeFigureOut">
               <a:rPr lang="es-CO" smtClean="0"/>
-              <a:t>17/08/20</a:t>
+              <a:t>18/08/20</a:t>
             </a:fld>
             <a:endParaRPr lang="es-CO"/>
           </a:p>
@@ -3344,7 +3345,7 @@
           <a:p>
             <a:fld id="{C214C790-AC43-4046-BAB7-879940BCF0AB}" type="datetimeFigureOut">
               <a:rPr lang="es-CO" smtClean="0"/>
-              <a:t>17/08/20</a:t>
+              <a:t>18/08/20</a:t>
             </a:fld>
             <a:endParaRPr lang="es-CO"/>
           </a:p>
@@ -3619,7 +3620,7 @@
           <a:p>
             <a:fld id="{C214C790-AC43-4046-BAB7-879940BCF0AB}" type="datetimeFigureOut">
               <a:rPr lang="es-CO" smtClean="0"/>
-              <a:t>17/08/20</a:t>
+              <a:t>18/08/20</a:t>
             </a:fld>
             <a:endParaRPr lang="es-CO"/>
           </a:p>
@@ -3998,7 +3999,7 @@
           <a:p>
             <a:fld id="{C214C790-AC43-4046-BAB7-879940BCF0AB}" type="datetimeFigureOut">
               <a:rPr lang="es-CO" smtClean="0"/>
-              <a:t>17/08/20</a:t>
+              <a:t>18/08/20</a:t>
             </a:fld>
             <a:endParaRPr lang="es-CO"/>
           </a:p>
@@ -4116,7 +4117,7 @@
           <a:p>
             <a:fld id="{C214C790-AC43-4046-BAB7-879940BCF0AB}" type="datetimeFigureOut">
               <a:rPr lang="es-CO" smtClean="0"/>
-              <a:t>17/08/20</a:t>
+              <a:t>18/08/20</a:t>
             </a:fld>
             <a:endParaRPr lang="es-CO"/>
           </a:p>
@@ -4287,7 +4288,7 @@
           <a:p>
             <a:fld id="{C214C790-AC43-4046-BAB7-879940BCF0AB}" type="datetimeFigureOut">
               <a:rPr lang="es-CO" smtClean="0"/>
-              <a:t>17/08/20</a:t>
+              <a:t>18/08/20</a:t>
             </a:fld>
             <a:endParaRPr lang="es-CO"/>
           </a:p>
@@ -4641,7 +4642,7 @@
           <a:p>
             <a:fld id="{C214C790-AC43-4046-BAB7-879940BCF0AB}" type="datetimeFigureOut">
               <a:rPr lang="es-CO" smtClean="0"/>
-              <a:t>17/08/20</a:t>
+              <a:t>18/08/20</a:t>
             </a:fld>
             <a:endParaRPr lang="es-CO"/>
           </a:p>
@@ -5018,7 +5019,7 @@
           <a:p>
             <a:fld id="{C214C790-AC43-4046-BAB7-879940BCF0AB}" type="datetimeFigureOut">
               <a:rPr lang="es-CO" smtClean="0"/>
-              <a:t>17/08/20</a:t>
+              <a:t>18/08/20</a:t>
             </a:fld>
             <a:endParaRPr lang="es-CO"/>
           </a:p>
@@ -5305,7 +5306,7 @@
           <a:p>
             <a:fld id="{C214C790-AC43-4046-BAB7-879940BCF0AB}" type="datetimeFigureOut">
               <a:rPr lang="es-CO" smtClean="0"/>
-              <a:t>17/08/20</a:t>
+              <a:t>18/08/20</a:t>
             </a:fld>
             <a:endParaRPr lang="es-CO"/>
           </a:p>
@@ -26303,6 +26304,470 @@
 </file>
 
 <file path=ppt/slides/slide42.xml><?xml version="1.0" encoding="utf-8"?>
+<p:sld xmlns:a="http://schemas.openxmlformats.org/drawingml/2006/main" xmlns:r="http://schemas.openxmlformats.org/officeDocument/2006/relationships" xmlns:p="http://schemas.openxmlformats.org/presentationml/2006/main">
+  <p:cSld>
+    <p:spTree>
+      <p:nvGrpSpPr>
+        <p:cNvPr id="1" name=""/>
+        <p:cNvGrpSpPr/>
+        <p:nvPr/>
+      </p:nvGrpSpPr>
+      <p:grpSpPr>
+        <a:xfrm>
+          <a:off x="0" y="0"/>
+          <a:ext cx="0" cy="0"/>
+          <a:chOff x="0" y="0"/>
+          <a:chExt cx="0" cy="0"/>
+        </a:xfrm>
+      </p:grpSpPr>
+      <p:sp>
+        <p:nvSpPr>
+          <p:cNvPr id="2" name="Título 1"/>
+          <p:cNvSpPr>
+            <a:spLocks noGrp="1"/>
+          </p:cNvSpPr>
+          <p:nvPr>
+            <p:ph type="title"/>
+          </p:nvPr>
+        </p:nvSpPr>
+        <p:spPr/>
+        <p:txBody>
+          <a:bodyPr/>
+          <a:lstStyle/>
+          <a:p>
+            <a:r>
+              <a:rPr lang="es-ES" dirty="0"/>
+              <a:t>Competencia</a:t>
+            </a:r>
+            <a:endParaRPr lang="es-CO" dirty="0"/>
+          </a:p>
+        </p:txBody>
+      </p:sp>
+      <p:sp>
+        <p:nvSpPr>
+          <p:cNvPr id="3" name="Marcador de contenido 2"/>
+          <p:cNvSpPr>
+            <a:spLocks noGrp="1"/>
+          </p:cNvSpPr>
+          <p:nvPr>
+            <p:ph idx="1"/>
+          </p:nvPr>
+        </p:nvSpPr>
+        <p:spPr/>
+        <p:txBody>
+          <a:bodyPr/>
+          <a:lstStyle/>
+          <a:p>
+            <a:r>
+              <a:rPr lang="es-ES" b="1" i="1" dirty="0"/>
+              <a:t>Buscador de host</a:t>
+            </a:r>
+          </a:p>
+          <a:p>
+            <a:r>
+              <a:rPr lang="es-ES" dirty="0"/>
+              <a:t>Realice un programa buscador de host que sea capaz de buscar host automáticamente en redes con máscara de subred de 8, 16 o 24.</a:t>
+            </a:r>
+          </a:p>
+          <a:p>
+            <a:endParaRPr lang="es-CO" dirty="0"/>
+          </a:p>
+        </p:txBody>
+      </p:sp>
+      <p:sp>
+        <p:nvSpPr>
+          <p:cNvPr id="5" name="Rectángulo 4"/>
+          <p:cNvSpPr/>
+          <p:nvPr/>
+        </p:nvSpPr>
+        <p:spPr>
+          <a:xfrm>
+            <a:off x="5864191" y="3504845"/>
+            <a:ext cx="462013" cy="462013"/>
+          </a:xfrm>
+          <a:prstGeom prst="rect">
+            <a:avLst/>
+          </a:prstGeom>
+          <a:solidFill>
+            <a:schemeClr val="tx1"/>
+          </a:solidFill>
+        </p:spPr>
+        <p:style>
+          <a:lnRef idx="2">
+            <a:schemeClr val="accent1">
+              <a:shade val="50000"/>
+            </a:schemeClr>
+          </a:lnRef>
+          <a:fillRef idx="1">
+            <a:schemeClr val="accent1"/>
+          </a:fillRef>
+          <a:effectRef idx="0">
+            <a:schemeClr val="accent1"/>
+          </a:effectRef>
+          <a:fontRef idx="minor">
+            <a:schemeClr val="lt1"/>
+          </a:fontRef>
+        </p:style>
+        <p:txBody>
+          <a:bodyPr rtlCol="0" anchor="ctr"/>
+          <a:lstStyle/>
+          <a:p>
+            <a:pPr algn="ctr"/>
+            <a:endParaRPr lang="es-CO"/>
+          </a:p>
+        </p:txBody>
+      </p:sp>
+      <p:sp>
+        <p:nvSpPr>
+          <p:cNvPr id="6" name="Rectángulo 5"/>
+          <p:cNvSpPr/>
+          <p:nvPr/>
+        </p:nvSpPr>
+        <p:spPr>
+          <a:xfrm>
+            <a:off x="6339837" y="5155926"/>
+            <a:ext cx="462013" cy="462013"/>
+          </a:xfrm>
+          <a:prstGeom prst="rect">
+            <a:avLst/>
+          </a:prstGeom>
+        </p:spPr>
+        <p:style>
+          <a:lnRef idx="2">
+            <a:schemeClr val="accent1">
+              <a:shade val="50000"/>
+            </a:schemeClr>
+          </a:lnRef>
+          <a:fillRef idx="1">
+            <a:schemeClr val="accent1"/>
+          </a:fillRef>
+          <a:effectRef idx="0">
+            <a:schemeClr val="accent1"/>
+          </a:effectRef>
+          <a:fontRef idx="minor">
+            <a:schemeClr val="lt1"/>
+          </a:fontRef>
+        </p:style>
+        <p:txBody>
+          <a:bodyPr rtlCol="0" anchor="ctr"/>
+          <a:lstStyle/>
+          <a:p>
+            <a:pPr algn="ctr"/>
+            <a:endParaRPr lang="es-CO"/>
+          </a:p>
+        </p:txBody>
+      </p:sp>
+      <p:sp>
+        <p:nvSpPr>
+          <p:cNvPr id="9" name="Rectángulo 8"/>
+          <p:cNvSpPr/>
+          <p:nvPr/>
+        </p:nvSpPr>
+        <p:spPr>
+          <a:xfrm>
+            <a:off x="5388542" y="5155926"/>
+            <a:ext cx="462013" cy="462013"/>
+          </a:xfrm>
+          <a:prstGeom prst="rect">
+            <a:avLst/>
+          </a:prstGeom>
+        </p:spPr>
+        <p:style>
+          <a:lnRef idx="2">
+            <a:schemeClr val="accent1">
+              <a:shade val="50000"/>
+            </a:schemeClr>
+          </a:lnRef>
+          <a:fillRef idx="1">
+            <a:schemeClr val="accent1"/>
+          </a:fillRef>
+          <a:effectRef idx="0">
+            <a:schemeClr val="accent1"/>
+          </a:effectRef>
+          <a:fontRef idx="minor">
+            <a:schemeClr val="lt1"/>
+          </a:fontRef>
+        </p:style>
+        <p:txBody>
+          <a:bodyPr rtlCol="0" anchor="ctr"/>
+          <a:lstStyle/>
+          <a:p>
+            <a:pPr algn="ctr"/>
+            <a:endParaRPr lang="es-CO"/>
+          </a:p>
+        </p:txBody>
+      </p:sp>
+      <p:sp>
+        <p:nvSpPr>
+          <p:cNvPr id="10" name="Rectángulo 9"/>
+          <p:cNvSpPr/>
+          <p:nvPr/>
+        </p:nvSpPr>
+        <p:spPr>
+          <a:xfrm>
+            <a:off x="4437243" y="5155927"/>
+            <a:ext cx="462013" cy="462013"/>
+          </a:xfrm>
+          <a:prstGeom prst="rect">
+            <a:avLst/>
+          </a:prstGeom>
+        </p:spPr>
+        <p:style>
+          <a:lnRef idx="2">
+            <a:schemeClr val="accent1">
+              <a:shade val="50000"/>
+            </a:schemeClr>
+          </a:lnRef>
+          <a:fillRef idx="1">
+            <a:schemeClr val="accent1"/>
+          </a:fillRef>
+          <a:effectRef idx="0">
+            <a:schemeClr val="accent1"/>
+          </a:effectRef>
+          <a:fontRef idx="minor">
+            <a:schemeClr val="lt1"/>
+          </a:fontRef>
+        </p:style>
+        <p:txBody>
+          <a:bodyPr rtlCol="0" anchor="ctr"/>
+          <a:lstStyle/>
+          <a:p>
+            <a:pPr algn="ctr"/>
+            <a:endParaRPr lang="es-CO"/>
+          </a:p>
+        </p:txBody>
+      </p:sp>
+      <p:sp>
+        <p:nvSpPr>
+          <p:cNvPr id="11" name="Rectángulo 10"/>
+          <p:cNvSpPr/>
+          <p:nvPr/>
+        </p:nvSpPr>
+        <p:spPr>
+          <a:xfrm>
+            <a:off x="7291136" y="5155927"/>
+            <a:ext cx="462013" cy="462013"/>
+          </a:xfrm>
+          <a:prstGeom prst="rect">
+            <a:avLst/>
+          </a:prstGeom>
+        </p:spPr>
+        <p:style>
+          <a:lnRef idx="2">
+            <a:schemeClr val="accent1">
+              <a:shade val="50000"/>
+            </a:schemeClr>
+          </a:lnRef>
+          <a:fillRef idx="1">
+            <a:schemeClr val="accent1"/>
+          </a:fillRef>
+          <a:effectRef idx="0">
+            <a:schemeClr val="accent1"/>
+          </a:effectRef>
+          <a:fontRef idx="minor">
+            <a:schemeClr val="lt1"/>
+          </a:fontRef>
+        </p:style>
+        <p:txBody>
+          <a:bodyPr rtlCol="0" anchor="ctr"/>
+          <a:lstStyle/>
+          <a:p>
+            <a:pPr algn="ctr"/>
+            <a:endParaRPr lang="es-CO"/>
+          </a:p>
+        </p:txBody>
+      </p:sp>
+      <p:cxnSp>
+        <p:nvCxnSpPr>
+          <p:cNvPr id="15" name="Elbow Connector 14">
+            <a:extLst>
+              <a:ext uri="{FF2B5EF4-FFF2-40B4-BE49-F238E27FC236}">
+                <a16:creationId xmlns:a16="http://schemas.microsoft.com/office/drawing/2014/main" id="{9147A826-5A8C-094C-84FA-4CBF34161233}"/>
+              </a:ext>
+            </a:extLst>
+          </p:cNvPr>
+          <p:cNvCxnSpPr>
+            <a:stCxn id="10" idx="0"/>
+            <a:endCxn id="5" idx="1"/>
+          </p:cNvCxnSpPr>
+          <p:nvPr/>
+        </p:nvCxnSpPr>
+        <p:spPr>
+          <a:xfrm rot="5400000" flipH="1" flipV="1">
+            <a:off x="4556183" y="3847920"/>
+            <a:ext cx="1420075" cy="1195941"/>
+          </a:xfrm>
+          <a:prstGeom prst="bentConnector2">
+            <a:avLst/>
+          </a:prstGeom>
+          <a:ln>
+            <a:headEnd type="triangle"/>
+            <a:tailEnd type="triangle"/>
+          </a:ln>
+        </p:spPr>
+        <p:style>
+          <a:lnRef idx="1">
+            <a:schemeClr val="accent1"/>
+          </a:lnRef>
+          <a:fillRef idx="0">
+            <a:schemeClr val="accent1"/>
+          </a:fillRef>
+          <a:effectRef idx="0">
+            <a:schemeClr val="accent1"/>
+          </a:effectRef>
+          <a:fontRef idx="minor">
+            <a:schemeClr val="tx1"/>
+          </a:fontRef>
+        </p:style>
+      </p:cxnSp>
+      <p:cxnSp>
+        <p:nvCxnSpPr>
+          <p:cNvPr id="23" name="Elbow Connector 22">
+            <a:extLst>
+              <a:ext uri="{FF2B5EF4-FFF2-40B4-BE49-F238E27FC236}">
+                <a16:creationId xmlns:a16="http://schemas.microsoft.com/office/drawing/2014/main" id="{EEAF593B-444B-A549-8CA1-82B964A102EB}"/>
+              </a:ext>
+            </a:extLst>
+          </p:cNvPr>
+          <p:cNvCxnSpPr>
+            <a:cxnSpLocks/>
+            <a:stCxn id="9" idx="0"/>
+          </p:cNvCxnSpPr>
+          <p:nvPr/>
+        </p:nvCxnSpPr>
+        <p:spPr>
+          <a:xfrm rot="5400000" flipH="1" flipV="1">
+            <a:off x="5170396" y="4416011"/>
+            <a:ext cx="1189068" cy="290762"/>
+          </a:xfrm>
+          <a:prstGeom prst="bentConnector3">
+            <a:avLst>
+              <a:gd name="adj1" fmla="val 50000"/>
+            </a:avLst>
+          </a:prstGeom>
+          <a:ln>
+            <a:headEnd type="triangle"/>
+            <a:tailEnd type="triangle"/>
+          </a:ln>
+        </p:spPr>
+        <p:style>
+          <a:lnRef idx="1">
+            <a:schemeClr val="accent1"/>
+          </a:lnRef>
+          <a:fillRef idx="0">
+            <a:schemeClr val="accent1"/>
+          </a:fillRef>
+          <a:effectRef idx="0">
+            <a:schemeClr val="accent1"/>
+          </a:effectRef>
+          <a:fontRef idx="minor">
+            <a:schemeClr val="tx1"/>
+          </a:fontRef>
+        </p:style>
+      </p:cxnSp>
+      <p:cxnSp>
+        <p:nvCxnSpPr>
+          <p:cNvPr id="28" name="Elbow Connector 27">
+            <a:extLst>
+              <a:ext uri="{FF2B5EF4-FFF2-40B4-BE49-F238E27FC236}">
+                <a16:creationId xmlns:a16="http://schemas.microsoft.com/office/drawing/2014/main" id="{03698139-9634-0A44-9AC0-FC15C532AB4E}"/>
+              </a:ext>
+            </a:extLst>
+          </p:cNvPr>
+          <p:cNvCxnSpPr>
+            <a:cxnSpLocks/>
+            <a:stCxn id="6" idx="0"/>
+          </p:cNvCxnSpPr>
+          <p:nvPr/>
+        </p:nvCxnSpPr>
+        <p:spPr>
+          <a:xfrm rot="16200000" flipV="1">
+            <a:off x="5830928" y="4416010"/>
+            <a:ext cx="1189070" cy="290762"/>
+          </a:xfrm>
+          <a:prstGeom prst="bentConnector3">
+            <a:avLst>
+              <a:gd name="adj1" fmla="val 50000"/>
+            </a:avLst>
+          </a:prstGeom>
+          <a:ln>
+            <a:headEnd type="triangle"/>
+            <a:tailEnd type="triangle"/>
+          </a:ln>
+        </p:spPr>
+        <p:style>
+          <a:lnRef idx="1">
+            <a:schemeClr val="accent1"/>
+          </a:lnRef>
+          <a:fillRef idx="0">
+            <a:schemeClr val="accent1"/>
+          </a:fillRef>
+          <a:effectRef idx="0">
+            <a:schemeClr val="accent1"/>
+          </a:effectRef>
+          <a:fontRef idx="minor">
+            <a:schemeClr val="tx1"/>
+          </a:fontRef>
+        </p:style>
+      </p:cxnSp>
+      <p:cxnSp>
+        <p:nvCxnSpPr>
+          <p:cNvPr id="29" name="Elbow Connector 28">
+            <a:extLst>
+              <a:ext uri="{FF2B5EF4-FFF2-40B4-BE49-F238E27FC236}">
+                <a16:creationId xmlns:a16="http://schemas.microsoft.com/office/drawing/2014/main" id="{7C5B59CC-53B4-064A-9D57-3CC6B2FFDA17}"/>
+              </a:ext>
+            </a:extLst>
+          </p:cNvPr>
+          <p:cNvCxnSpPr>
+            <a:cxnSpLocks/>
+            <a:stCxn id="11" idx="0"/>
+            <a:endCxn id="5" idx="3"/>
+          </p:cNvCxnSpPr>
+          <p:nvPr/>
+        </p:nvCxnSpPr>
+        <p:spPr>
+          <a:xfrm rot="16200000" flipV="1">
+            <a:off x="6214137" y="3847920"/>
+            <a:ext cx="1420075" cy="1195939"/>
+          </a:xfrm>
+          <a:prstGeom prst="bentConnector2">
+            <a:avLst/>
+          </a:prstGeom>
+          <a:ln>
+            <a:headEnd type="triangle"/>
+            <a:tailEnd type="triangle"/>
+          </a:ln>
+        </p:spPr>
+        <p:style>
+          <a:lnRef idx="1">
+            <a:schemeClr val="accent1"/>
+          </a:lnRef>
+          <a:fillRef idx="0">
+            <a:schemeClr val="accent1"/>
+          </a:fillRef>
+          <a:effectRef idx="0">
+            <a:schemeClr val="accent1"/>
+          </a:effectRef>
+          <a:fontRef idx="minor">
+            <a:schemeClr val="tx1"/>
+          </a:fontRef>
+        </p:style>
+      </p:cxnSp>
+    </p:spTree>
+    <p:extLst>
+      <p:ext uri="{BB962C8B-B14F-4D97-AF65-F5344CB8AC3E}">
+        <p14:creationId xmlns:p14="http://schemas.microsoft.com/office/powerpoint/2010/main" val="3245003877"/>
+      </p:ext>
+    </p:extLst>
+  </p:cSld>
+  <p:clrMapOvr>
+    <a:masterClrMapping/>
+  </p:clrMapOvr>
+</p:sld>
+</file>
+
+<file path=ppt/slides/slide43.xml><?xml version="1.0" encoding="utf-8"?>
 <p:sld xmlns:a="http://schemas.openxmlformats.org/drawingml/2006/main" xmlns:r="http://schemas.openxmlformats.org/officeDocument/2006/relationships" xmlns:p="http://schemas.openxmlformats.org/presentationml/2006/main" show="0">
   <p:cSld>
     <p:spTree>
@@ -27057,7 +27522,7 @@
     </p:spTree>
     <p:extLst>
       <p:ext uri="{BB962C8B-B14F-4D97-AF65-F5344CB8AC3E}">
-        <p14:creationId xmlns:p14="http://schemas.microsoft.com/office/powerpoint/2010/main" val="3245003877"/>
+        <p14:creationId xmlns:p14="http://schemas.microsoft.com/office/powerpoint/2010/main" val="4015312191"/>
       </p:ext>
     </p:extLst>
   </p:cSld>

--- a/Semana 2/Presentación S2.pptx
+++ b/Semana 2/Presentación S2.pptx
@@ -5867,12 +5867,6 @@
         <p:txBody>
           <a:bodyPr/>
           <a:lstStyle/>
-          <a:p>
-            <a:r>
-              <a:rPr lang="es-ES" dirty="0"/>
-              <a:t>PATRON OBSERVER</a:t>
-            </a:r>
-          </a:p>
           <a:p>
             <a:r>
               <a:rPr lang="es-ES" dirty="0"/>
